--- a/Be-Fit Android.pptx
+++ b/Be-Fit Android.pptx
@@ -20,6 +20,7 @@
     <p:sldId id="267" r:id="rId14"/>
     <p:sldId id="268" r:id="rId15"/>
     <p:sldId id="270" r:id="rId16"/>
+    <p:sldId id="271" r:id="rId17"/>
   </p:sldIdLst>
   <p:sldSz cx="12192000" cy="6858000"/>
   <p:notesSz cx="6858000" cy="9144000"/>
@@ -848,7 +849,7 @@
           <a:p>
             <a:fld id="{01D8222A-1045-44F3-8D5A-7324EA59AE55}" type="datetimeFigureOut">
               <a:rPr lang="en-US" smtClean="0"/>
-              <a:t>12/1/2020</a:t>
+              <a:t>12/2/2020</a:t>
             </a:fld>
             <a:endParaRPr lang="en-US"/>
           </a:p>
@@ -1099,7 +1100,7 @@
           <a:p>
             <a:fld id="{01D8222A-1045-44F3-8D5A-7324EA59AE55}" type="datetimeFigureOut">
               <a:rPr lang="en-US" smtClean="0"/>
-              <a:t>12/1/2020</a:t>
+              <a:t>12/2/2020</a:t>
             </a:fld>
             <a:endParaRPr lang="en-US"/>
           </a:p>
@@ -1413,7 +1414,7 @@
           <a:p>
             <a:fld id="{01D8222A-1045-44F3-8D5A-7324EA59AE55}" type="datetimeFigureOut">
               <a:rPr lang="en-US" smtClean="0"/>
-              <a:t>12/1/2020</a:t>
+              <a:t>12/2/2020</a:t>
             </a:fld>
             <a:endParaRPr lang="en-US"/>
           </a:p>
@@ -1754,7 +1755,7 @@
           <a:p>
             <a:fld id="{01D8222A-1045-44F3-8D5A-7324EA59AE55}" type="datetimeFigureOut">
               <a:rPr lang="en-US" smtClean="0"/>
-              <a:t>12/1/2020</a:t>
+              <a:t>12/2/2020</a:t>
             </a:fld>
             <a:endParaRPr lang="en-US"/>
           </a:p>
@@ -2068,7 +2069,7 @@
           <a:p>
             <a:fld id="{01D8222A-1045-44F3-8D5A-7324EA59AE55}" type="datetimeFigureOut">
               <a:rPr lang="en-US" smtClean="0"/>
-              <a:t>12/1/2020</a:t>
+              <a:t>12/2/2020</a:t>
             </a:fld>
             <a:endParaRPr lang="en-US"/>
           </a:p>
@@ -2461,7 +2462,7 @@
           <a:p>
             <a:fld id="{01D8222A-1045-44F3-8D5A-7324EA59AE55}" type="datetimeFigureOut">
               <a:rPr lang="en-US" smtClean="0"/>
-              <a:t>12/1/2020</a:t>
+              <a:t>12/2/2020</a:t>
             </a:fld>
             <a:endParaRPr lang="en-US"/>
           </a:p>
@@ -2631,7 +2632,7 @@
           <a:p>
             <a:fld id="{01D8222A-1045-44F3-8D5A-7324EA59AE55}" type="datetimeFigureOut">
               <a:rPr lang="en-US" smtClean="0"/>
-              <a:t>12/1/2020</a:t>
+              <a:t>12/2/2020</a:t>
             </a:fld>
             <a:endParaRPr lang="en-US"/>
           </a:p>
@@ -2811,7 +2812,7 @@
           <a:p>
             <a:fld id="{01D8222A-1045-44F3-8D5A-7324EA59AE55}" type="datetimeFigureOut">
               <a:rPr lang="en-US" smtClean="0"/>
-              <a:t>12/1/2020</a:t>
+              <a:t>12/2/2020</a:t>
             </a:fld>
             <a:endParaRPr lang="en-US"/>
           </a:p>
@@ -2987,7 +2988,7 @@
           <a:p>
             <a:fld id="{01D8222A-1045-44F3-8D5A-7324EA59AE55}" type="datetimeFigureOut">
               <a:rPr lang="en-US" smtClean="0"/>
-              <a:t>12/1/2020</a:t>
+              <a:t>12/2/2020</a:t>
             </a:fld>
             <a:endParaRPr lang="en-US"/>
           </a:p>
@@ -3234,7 +3235,7 @@
           <a:p>
             <a:fld id="{01D8222A-1045-44F3-8D5A-7324EA59AE55}" type="datetimeFigureOut">
               <a:rPr lang="en-US" smtClean="0"/>
-              <a:t>12/1/2020</a:t>
+              <a:t>12/2/2020</a:t>
             </a:fld>
             <a:endParaRPr lang="en-US"/>
           </a:p>
@@ -3466,7 +3467,7 @@
           <a:p>
             <a:fld id="{01D8222A-1045-44F3-8D5A-7324EA59AE55}" type="datetimeFigureOut">
               <a:rPr lang="en-US" smtClean="0"/>
-              <a:t>12/1/2020</a:t>
+              <a:t>12/2/2020</a:t>
             </a:fld>
             <a:endParaRPr lang="en-US"/>
           </a:p>
@@ -3840,7 +3841,7 @@
           <a:p>
             <a:fld id="{01D8222A-1045-44F3-8D5A-7324EA59AE55}" type="datetimeFigureOut">
               <a:rPr lang="en-US" smtClean="0"/>
-              <a:t>12/1/2020</a:t>
+              <a:t>12/2/2020</a:t>
             </a:fld>
             <a:endParaRPr lang="en-US"/>
           </a:p>
@@ -3963,7 +3964,7 @@
           <a:p>
             <a:fld id="{01D8222A-1045-44F3-8D5A-7324EA59AE55}" type="datetimeFigureOut">
               <a:rPr lang="en-US" smtClean="0"/>
-              <a:t>12/1/2020</a:t>
+              <a:t>12/2/2020</a:t>
             </a:fld>
             <a:endParaRPr lang="en-US"/>
           </a:p>
@@ -4058,7 +4059,7 @@
           <a:p>
             <a:fld id="{01D8222A-1045-44F3-8D5A-7324EA59AE55}" type="datetimeFigureOut">
               <a:rPr lang="en-US" smtClean="0"/>
-              <a:t>12/1/2020</a:t>
+              <a:t>12/2/2020</a:t>
             </a:fld>
             <a:endParaRPr lang="en-US"/>
           </a:p>
@@ -4313,7 +4314,7 @@
           <a:p>
             <a:fld id="{01D8222A-1045-44F3-8D5A-7324EA59AE55}" type="datetimeFigureOut">
               <a:rPr lang="en-US" smtClean="0"/>
-              <a:t>12/1/2020</a:t>
+              <a:t>12/2/2020</a:t>
             </a:fld>
             <a:endParaRPr lang="en-US"/>
           </a:p>
@@ -4576,7 +4577,7 @@
           <a:p>
             <a:fld id="{01D8222A-1045-44F3-8D5A-7324EA59AE55}" type="datetimeFigureOut">
               <a:rPr lang="en-US" smtClean="0"/>
-              <a:t>12/1/2020</a:t>
+              <a:t>12/2/2020</a:t>
             </a:fld>
             <a:endParaRPr lang="en-US"/>
           </a:p>
@@ -5319,7 +5320,7 @@
           <a:p>
             <a:fld id="{01D8222A-1045-44F3-8D5A-7324EA59AE55}" type="datetimeFigureOut">
               <a:rPr lang="en-US" smtClean="0"/>
-              <a:t>12/1/2020</a:t>
+              <a:t>12/2/2020</a:t>
             </a:fld>
             <a:endParaRPr lang="en-US"/>
           </a:p>
@@ -6124,6 +6125,41 @@
           </a:prstGeom>
         </p:spPr>
       </p:pic>
+      <p:sp>
+        <p:nvSpPr>
+          <p:cNvPr id="5" name="TextBox 4">
+            <a:extLst>
+              <a:ext uri="{FF2B5EF4-FFF2-40B4-BE49-F238E27FC236}">
+                <a16:creationId xmlns:a16="http://schemas.microsoft.com/office/drawing/2014/main" id="{A007B950-AF1F-4288-99E3-7BAAF05B4C81}"/>
+              </a:ext>
+            </a:extLst>
+          </p:cNvPr>
+          <p:cNvSpPr txBox="1"/>
+          <p:nvPr/>
+        </p:nvSpPr>
+        <p:spPr>
+          <a:xfrm>
+            <a:off x="4895850" y="5657850"/>
+            <a:ext cx="2174801" cy="383512"/>
+          </a:xfrm>
+          <a:prstGeom prst="rect">
+            <a:avLst/>
+          </a:prstGeom>
+          <a:noFill/>
+        </p:spPr>
+        <p:txBody>
+          <a:bodyPr wrap="square" rtlCol="0">
+            <a:spAutoFit/>
+          </a:bodyPr>
+          <a:lstStyle/>
+          <a:p>
+            <a:r>
+              <a:rPr lang="en-US" dirty="0"/>
+              <a:t>Sai Rohith Gorla</a:t>
+            </a:r>
+          </a:p>
+        </p:txBody>
+      </p:sp>
     </p:spTree>
     <p:extLst>
       <p:ext uri="{BB962C8B-B14F-4D97-AF65-F5344CB8AC3E}">
@@ -6255,6 +6291,41 @@
           </a:prstGeom>
         </p:spPr>
       </p:pic>
+      <p:sp>
+        <p:nvSpPr>
+          <p:cNvPr id="6" name="TextBox 5">
+            <a:extLst>
+              <a:ext uri="{FF2B5EF4-FFF2-40B4-BE49-F238E27FC236}">
+                <a16:creationId xmlns:a16="http://schemas.microsoft.com/office/drawing/2014/main" id="{FEDFFA63-07F0-4A6D-BF4F-9E2682BF1C2C}"/>
+              </a:ext>
+            </a:extLst>
+          </p:cNvPr>
+          <p:cNvSpPr txBox="1"/>
+          <p:nvPr/>
+        </p:nvSpPr>
+        <p:spPr>
+          <a:xfrm>
+            <a:off x="4895850" y="5657850"/>
+            <a:ext cx="2174801" cy="383512"/>
+          </a:xfrm>
+          <a:prstGeom prst="rect">
+            <a:avLst/>
+          </a:prstGeom>
+          <a:noFill/>
+        </p:spPr>
+        <p:txBody>
+          <a:bodyPr wrap="square" rtlCol="0">
+            <a:spAutoFit/>
+          </a:bodyPr>
+          <a:lstStyle/>
+          <a:p>
+            <a:r>
+              <a:rPr lang="en-US" dirty="0"/>
+              <a:t>Sai Rohith Gorla</a:t>
+            </a:r>
+          </a:p>
+        </p:txBody>
+      </p:sp>
     </p:spTree>
     <p:extLst>
       <p:ext uri="{BB962C8B-B14F-4D97-AF65-F5344CB8AC3E}">
@@ -6382,6 +6453,51 @@
           </a:prstGeom>
         </p:spPr>
       </p:pic>
+      <p:sp>
+        <p:nvSpPr>
+          <p:cNvPr id="4" name="TextBox 3">
+            <a:extLst>
+              <a:ext uri="{FF2B5EF4-FFF2-40B4-BE49-F238E27FC236}">
+                <a16:creationId xmlns:a16="http://schemas.microsoft.com/office/drawing/2014/main" id="{AE25826F-F06F-4767-B08B-2EE9F94266CB}"/>
+              </a:ext>
+            </a:extLst>
+          </p:cNvPr>
+          <p:cNvSpPr txBox="1"/>
+          <p:nvPr/>
+        </p:nvSpPr>
+        <p:spPr>
+          <a:xfrm>
+            <a:off x="5286375" y="5667375"/>
+            <a:ext cx="2209578" cy="646331"/>
+          </a:xfrm>
+          <a:prstGeom prst="rect">
+            <a:avLst/>
+          </a:prstGeom>
+          <a:noFill/>
+        </p:spPr>
+        <p:txBody>
+          <a:bodyPr wrap="square" rtlCol="0">
+            <a:spAutoFit/>
+          </a:bodyPr>
+          <a:lstStyle/>
+          <a:p>
+            <a:r>
+              <a:rPr lang="en-US" dirty="0" err="1"/>
+              <a:t>Ravichander</a:t>
+            </a:r>
+            <a:r>
+              <a:rPr lang="en-US" dirty="0"/>
+              <a:t> Reddy</a:t>
+            </a:r>
+          </a:p>
+          <a:p>
+            <a:r>
+              <a:rPr lang="en-US" dirty="0"/>
+              <a:t>Neelesh Saladi</a:t>
+            </a:r>
+          </a:p>
+        </p:txBody>
+      </p:sp>
     </p:spTree>
     <p:extLst>
       <p:ext uri="{BB962C8B-B14F-4D97-AF65-F5344CB8AC3E}">
@@ -6511,7 +6627,7 @@
         </p:blipFill>
         <p:spPr>
           <a:xfrm>
-            <a:off x="7934375" y="1651310"/>
+            <a:off x="7934375" y="1444272"/>
             <a:ext cx="2130740" cy="4597090"/>
           </a:xfrm>
           <a:prstGeom prst="rect">
@@ -6519,6 +6635,41 @@
           </a:prstGeom>
         </p:spPr>
       </p:pic>
+      <p:sp>
+        <p:nvSpPr>
+          <p:cNvPr id="4" name="TextBox 3">
+            <a:extLst>
+              <a:ext uri="{FF2B5EF4-FFF2-40B4-BE49-F238E27FC236}">
+                <a16:creationId xmlns:a16="http://schemas.microsoft.com/office/drawing/2014/main" id="{91111A94-C7DF-4103-B2A2-77D938378889}"/>
+              </a:ext>
+            </a:extLst>
+          </p:cNvPr>
+          <p:cNvSpPr txBox="1"/>
+          <p:nvPr/>
+        </p:nvSpPr>
+        <p:spPr>
+          <a:xfrm>
+            <a:off x="5867400" y="5724525"/>
+            <a:ext cx="1844990" cy="369332"/>
+          </a:xfrm>
+          <a:prstGeom prst="rect">
+            <a:avLst/>
+          </a:prstGeom>
+          <a:noFill/>
+        </p:spPr>
+        <p:txBody>
+          <a:bodyPr wrap="square" rtlCol="0">
+            <a:spAutoFit/>
+          </a:bodyPr>
+          <a:lstStyle/>
+          <a:p>
+            <a:r>
+              <a:rPr lang="en-US" dirty="0"/>
+              <a:t>Neelesh Saladi</a:t>
+            </a:r>
+          </a:p>
+        </p:txBody>
+      </p:sp>
     </p:spTree>
     <p:extLst>
       <p:ext uri="{BB962C8B-B14F-4D97-AF65-F5344CB8AC3E}">
@@ -6613,6 +6764,41 @@
           </a:p>
           <a:p>
             <a:endParaRPr lang="en-US" dirty="0"/>
+          </a:p>
+        </p:txBody>
+      </p:sp>
+      <p:sp>
+        <p:nvSpPr>
+          <p:cNvPr id="4" name="TextBox 3">
+            <a:extLst>
+              <a:ext uri="{FF2B5EF4-FFF2-40B4-BE49-F238E27FC236}">
+                <a16:creationId xmlns:a16="http://schemas.microsoft.com/office/drawing/2014/main" id="{89358216-419C-40DB-864D-C2495E0B73F4}"/>
+              </a:ext>
+            </a:extLst>
+          </p:cNvPr>
+          <p:cNvSpPr txBox="1"/>
+          <p:nvPr/>
+        </p:nvSpPr>
+        <p:spPr>
+          <a:xfrm>
+            <a:off x="7800975" y="5648325"/>
+            <a:ext cx="1905000" cy="369332"/>
+          </a:xfrm>
+          <a:prstGeom prst="rect">
+            <a:avLst/>
+          </a:prstGeom>
+          <a:noFill/>
+        </p:spPr>
+        <p:txBody>
+          <a:bodyPr wrap="square" rtlCol="0">
+            <a:spAutoFit/>
+          </a:bodyPr>
+          <a:lstStyle/>
+          <a:p>
+            <a:r>
+              <a:rPr lang="en-US" dirty="0"/>
+              <a:t>Neelesh Saladi</a:t>
+            </a:r>
           </a:p>
         </p:txBody>
       </p:sp>
@@ -7491,10 +7677,115 @@
           </a:p>
         </p:txBody>
       </p:sp>
+      <p:sp>
+        <p:nvSpPr>
+          <p:cNvPr id="4" name="TextBox 3">
+            <a:extLst>
+              <a:ext uri="{FF2B5EF4-FFF2-40B4-BE49-F238E27FC236}">
+                <a16:creationId xmlns:a16="http://schemas.microsoft.com/office/drawing/2014/main" id="{286591D9-4BF4-4779-9C2C-4402847EAE6E}"/>
+              </a:ext>
+            </a:extLst>
+          </p:cNvPr>
+          <p:cNvSpPr txBox="1"/>
+          <p:nvPr/>
+        </p:nvSpPr>
+        <p:spPr>
+          <a:xfrm>
+            <a:off x="5657850" y="6019800"/>
+            <a:ext cx="1755142" cy="369332"/>
+          </a:xfrm>
+          <a:prstGeom prst="rect">
+            <a:avLst/>
+          </a:prstGeom>
+          <a:noFill/>
+        </p:spPr>
+        <p:txBody>
+          <a:bodyPr wrap="square" rtlCol="0">
+            <a:spAutoFit/>
+          </a:bodyPr>
+          <a:lstStyle/>
+          <a:p>
+            <a:r>
+              <a:rPr lang="en-US" dirty="0"/>
+              <a:t>Neelesh Saladi</a:t>
+            </a:r>
+          </a:p>
+        </p:txBody>
+      </p:sp>
     </p:spTree>
     <p:extLst>
       <p:ext uri="{BB962C8B-B14F-4D97-AF65-F5344CB8AC3E}">
         <p14:creationId xmlns:p14="http://schemas.microsoft.com/office/powerpoint/2010/main" val="2285412944"/>
+      </p:ext>
+    </p:extLst>
+  </p:cSld>
+  <p:clrMapOvr>
+    <a:masterClrMapping/>
+  </p:clrMapOvr>
+</p:sld>
+</file>
+
+<file path=ppt/slides/slide16.xml><?xml version="1.0" encoding="utf-8"?>
+<p:sld xmlns:a="http://schemas.openxmlformats.org/drawingml/2006/main" xmlns:r="http://schemas.openxmlformats.org/officeDocument/2006/relationships" xmlns:p="http://schemas.openxmlformats.org/presentationml/2006/main">
+  <p:cSld>
+    <p:spTree>
+      <p:nvGrpSpPr>
+        <p:cNvPr id="1" name=""/>
+        <p:cNvGrpSpPr/>
+        <p:nvPr/>
+      </p:nvGrpSpPr>
+      <p:grpSpPr>
+        <a:xfrm>
+          <a:off x="0" y="0"/>
+          <a:ext cx="0" cy="0"/>
+          <a:chOff x="0" y="0"/>
+          <a:chExt cx="0" cy="0"/>
+        </a:xfrm>
+      </p:grpSpPr>
+      <p:sp>
+        <p:nvSpPr>
+          <p:cNvPr id="4" name="TextBox 3">
+            <a:extLst>
+              <a:ext uri="{FF2B5EF4-FFF2-40B4-BE49-F238E27FC236}">
+                <a16:creationId xmlns:a16="http://schemas.microsoft.com/office/drawing/2014/main" id="{B0E18AC7-2427-41F4-9B31-0703A7EC94D7}"/>
+              </a:ext>
+            </a:extLst>
+          </p:cNvPr>
+          <p:cNvSpPr txBox="1"/>
+          <p:nvPr/>
+        </p:nvSpPr>
+        <p:spPr>
+          <a:xfrm>
+            <a:off x="1181100" y="2352675"/>
+            <a:ext cx="8096250" cy="1569660"/>
+          </a:xfrm>
+          <a:prstGeom prst="rect">
+            <a:avLst/>
+          </a:prstGeom>
+          <a:noFill/>
+        </p:spPr>
+        <p:txBody>
+          <a:bodyPr wrap="square" rtlCol="0">
+            <a:spAutoFit/>
+          </a:bodyPr>
+          <a:lstStyle/>
+          <a:p>
+            <a:pPr algn="ctr"/>
+            <a:endParaRPr lang="en-US" sz="4800" dirty="0"/>
+          </a:p>
+          <a:p>
+            <a:pPr algn="ctr"/>
+            <a:r>
+              <a:rPr lang="en-US" sz="4800" dirty="0"/>
+              <a:t>Thank You</a:t>
+            </a:r>
+          </a:p>
+        </p:txBody>
+      </p:sp>
+    </p:spTree>
+    <p:extLst>
+      <p:ext uri="{BB962C8B-B14F-4D97-AF65-F5344CB8AC3E}">
+        <p14:creationId xmlns:p14="http://schemas.microsoft.com/office/powerpoint/2010/main" val="4170789922"/>
       </p:ext>
     </p:extLst>
   </p:cSld>
@@ -7587,8 +7878,8 @@
         </p:nvSpPr>
         <p:spPr>
           <a:xfrm flipH="1">
-            <a:off x="8587615" y="5779752"/>
-            <a:ext cx="1372773" cy="261610"/>
+            <a:off x="8067674" y="5610225"/>
+            <a:ext cx="1892712" cy="261610"/>
           </a:xfrm>
           <a:prstGeom prst="rect">
             <a:avLst/>
@@ -7603,7 +7894,7 @@
           <a:p>
             <a:r>
               <a:rPr lang="en-US" sz="1100" dirty="0"/>
-              <a:t>Rohitha</a:t>
+              <a:t>Neelesh Saladi</a:t>
             </a:r>
           </a:p>
         </p:txBody>
@@ -7697,14 +7988,20 @@
       </p:sp>
       <p:sp>
         <p:nvSpPr>
-          <p:cNvPr id="4" name="TextBox 3"/>
+          <p:cNvPr id="5" name="TextBox 4">
+            <a:extLst>
+              <a:ext uri="{FF2B5EF4-FFF2-40B4-BE49-F238E27FC236}">
+                <a16:creationId xmlns:a16="http://schemas.microsoft.com/office/drawing/2014/main" id="{2A47EE00-49C8-4172-9553-E6C4C2910147}"/>
+              </a:ext>
+            </a:extLst>
+          </p:cNvPr>
           <p:cNvSpPr txBox="1"/>
           <p:nvPr/>
         </p:nvSpPr>
         <p:spPr>
           <a:xfrm flipH="1">
-            <a:off x="8673903" y="5779752"/>
-            <a:ext cx="1407943" cy="261610"/>
+            <a:off x="8067674" y="5610225"/>
+            <a:ext cx="1892712" cy="261610"/>
           </a:xfrm>
           <a:prstGeom prst="rect">
             <a:avLst/>
@@ -7719,7 +8016,7 @@
           <a:p>
             <a:r>
               <a:rPr lang="en-US" sz="1100" dirty="0"/>
-              <a:t>Rohitha</a:t>
+              <a:t>Neelesh Saladi</a:t>
             </a:r>
           </a:p>
         </p:txBody>
@@ -7793,21 +8090,27 @@
           <a:p>
             <a:r>
               <a:rPr lang="en-US" dirty="0"/>
-              <a:t>User can book the slots and he will be displayed with the amount will be charged per session. He can view the total amount in rate card activity and can pay by the end of the month at store.</a:t>
-            </a:r>
-          </a:p>
-        </p:txBody>
-      </p:sp>
-      <p:sp>
-        <p:nvSpPr>
-          <p:cNvPr id="4" name="TextBox 3"/>
+              <a:t>User can book the slots and the user will be displayed with the amount will be charged per session. He can view the total amount in rate card activity and can pay by the end of the month at store.</a:t>
+            </a:r>
+          </a:p>
+        </p:txBody>
+      </p:sp>
+      <p:sp>
+        <p:nvSpPr>
+          <p:cNvPr id="5" name="TextBox 4">
+            <a:extLst>
+              <a:ext uri="{FF2B5EF4-FFF2-40B4-BE49-F238E27FC236}">
+                <a16:creationId xmlns:a16="http://schemas.microsoft.com/office/drawing/2014/main" id="{67D86E58-113B-400F-A6BE-0D58E44850F8}"/>
+              </a:ext>
+            </a:extLst>
+          </p:cNvPr>
           <p:cNvSpPr txBox="1"/>
           <p:nvPr/>
         </p:nvSpPr>
         <p:spPr>
-          <a:xfrm>
-            <a:off x="8804030" y="5662244"/>
-            <a:ext cx="1113693" cy="261610"/>
+          <a:xfrm flipH="1">
+            <a:off x="7619999" y="5432055"/>
+            <a:ext cx="1892712" cy="261610"/>
           </a:xfrm>
           <a:prstGeom prst="rect">
             <a:avLst/>
@@ -7822,7 +8125,7 @@
           <a:p>
             <a:r>
               <a:rPr lang="en-US" sz="1100" dirty="0"/>
-              <a:t>Rohitha</a:t>
+              <a:t>Neelesh Saladi</a:t>
             </a:r>
           </a:p>
         </p:txBody>
@@ -7957,6 +8260,41 @@
           </a:prstGeom>
         </p:spPr>
       </p:pic>
+      <p:sp>
+        <p:nvSpPr>
+          <p:cNvPr id="4" name="TextBox 3">
+            <a:extLst>
+              <a:ext uri="{FF2B5EF4-FFF2-40B4-BE49-F238E27FC236}">
+                <a16:creationId xmlns:a16="http://schemas.microsoft.com/office/drawing/2014/main" id="{8CDF8DAC-4F30-43FE-BD0B-E595AFC2DFEA}"/>
+              </a:ext>
+            </a:extLst>
+          </p:cNvPr>
+          <p:cNvSpPr txBox="1"/>
+          <p:nvPr/>
+        </p:nvSpPr>
+        <p:spPr>
+          <a:xfrm>
+            <a:off x="4895850" y="5657850"/>
+            <a:ext cx="2174801" cy="383512"/>
+          </a:xfrm>
+          <a:prstGeom prst="rect">
+            <a:avLst/>
+          </a:prstGeom>
+          <a:noFill/>
+        </p:spPr>
+        <p:txBody>
+          <a:bodyPr wrap="square" rtlCol="0">
+            <a:spAutoFit/>
+          </a:bodyPr>
+          <a:lstStyle/>
+          <a:p>
+            <a:r>
+              <a:rPr lang="en-US" dirty="0"/>
+              <a:t>Rohitha Reddy</a:t>
+            </a:r>
+          </a:p>
+        </p:txBody>
+      </p:sp>
     </p:spTree>
     <p:extLst>
       <p:ext uri="{BB962C8B-B14F-4D97-AF65-F5344CB8AC3E}">
@@ -8081,6 +8419,41 @@
           </a:prstGeom>
         </p:spPr>
       </p:pic>
+      <p:sp>
+        <p:nvSpPr>
+          <p:cNvPr id="6" name="TextBox 5">
+            <a:extLst>
+              <a:ext uri="{FF2B5EF4-FFF2-40B4-BE49-F238E27FC236}">
+                <a16:creationId xmlns:a16="http://schemas.microsoft.com/office/drawing/2014/main" id="{2B9B901B-E4BE-4F75-A01E-A68FED8016BD}"/>
+              </a:ext>
+            </a:extLst>
+          </p:cNvPr>
+          <p:cNvSpPr txBox="1"/>
+          <p:nvPr/>
+        </p:nvSpPr>
+        <p:spPr>
+          <a:xfrm>
+            <a:off x="4895850" y="5657850"/>
+            <a:ext cx="2174801" cy="383512"/>
+          </a:xfrm>
+          <a:prstGeom prst="rect">
+            <a:avLst/>
+          </a:prstGeom>
+          <a:noFill/>
+        </p:spPr>
+        <p:txBody>
+          <a:bodyPr wrap="square" rtlCol="0">
+            <a:spAutoFit/>
+          </a:bodyPr>
+          <a:lstStyle/>
+          <a:p>
+            <a:r>
+              <a:rPr lang="en-US" dirty="0"/>
+              <a:t>Rohitha Reddy</a:t>
+            </a:r>
+          </a:p>
+        </p:txBody>
+      </p:sp>
     </p:spTree>
     <p:extLst>
       <p:ext uri="{BB962C8B-B14F-4D97-AF65-F5344CB8AC3E}">
@@ -8208,6 +8581,41 @@
           </a:prstGeom>
         </p:spPr>
       </p:pic>
+      <p:sp>
+        <p:nvSpPr>
+          <p:cNvPr id="6" name="TextBox 5">
+            <a:extLst>
+              <a:ext uri="{FF2B5EF4-FFF2-40B4-BE49-F238E27FC236}">
+                <a16:creationId xmlns:a16="http://schemas.microsoft.com/office/drawing/2014/main" id="{627A129A-FAFF-4796-AD12-2170477156A2}"/>
+              </a:ext>
+            </a:extLst>
+          </p:cNvPr>
+          <p:cNvSpPr txBox="1"/>
+          <p:nvPr/>
+        </p:nvSpPr>
+        <p:spPr>
+          <a:xfrm>
+            <a:off x="4895850" y="5657850"/>
+            <a:ext cx="2174801" cy="383512"/>
+          </a:xfrm>
+          <a:prstGeom prst="rect">
+            <a:avLst/>
+          </a:prstGeom>
+          <a:noFill/>
+        </p:spPr>
+        <p:txBody>
+          <a:bodyPr wrap="square" rtlCol="0">
+            <a:spAutoFit/>
+          </a:bodyPr>
+          <a:lstStyle/>
+          <a:p>
+            <a:r>
+              <a:rPr lang="en-US" dirty="0"/>
+              <a:t>Rohitha Reddy</a:t>
+            </a:r>
+          </a:p>
+        </p:txBody>
+      </p:sp>
     </p:spTree>
     <p:extLst>
       <p:ext uri="{BB962C8B-B14F-4D97-AF65-F5344CB8AC3E}">
@@ -8334,6 +8742,41 @@
           </a:prstGeom>
         </p:spPr>
       </p:pic>
+      <p:sp>
+        <p:nvSpPr>
+          <p:cNvPr id="6" name="TextBox 5">
+            <a:extLst>
+              <a:ext uri="{FF2B5EF4-FFF2-40B4-BE49-F238E27FC236}">
+                <a16:creationId xmlns:a16="http://schemas.microsoft.com/office/drawing/2014/main" id="{35A1BBA3-9ECB-4AED-8A11-0FB727282E33}"/>
+              </a:ext>
+            </a:extLst>
+          </p:cNvPr>
+          <p:cNvSpPr txBox="1"/>
+          <p:nvPr/>
+        </p:nvSpPr>
+        <p:spPr>
+          <a:xfrm>
+            <a:off x="4895850" y="5657850"/>
+            <a:ext cx="2174801" cy="383512"/>
+          </a:xfrm>
+          <a:prstGeom prst="rect">
+            <a:avLst/>
+          </a:prstGeom>
+          <a:noFill/>
+        </p:spPr>
+        <p:txBody>
+          <a:bodyPr wrap="square" rtlCol="0">
+            <a:spAutoFit/>
+          </a:bodyPr>
+          <a:lstStyle/>
+          <a:p>
+            <a:r>
+              <a:rPr lang="en-US" dirty="0"/>
+              <a:t>Rohitha Reddy</a:t>
+            </a:r>
+          </a:p>
+        </p:txBody>
+      </p:sp>
     </p:spTree>
     <p:extLst>
       <p:ext uri="{BB962C8B-B14F-4D97-AF65-F5344CB8AC3E}">
@@ -8465,6 +8908,41 @@
           </a:prstGeom>
         </p:spPr>
       </p:pic>
+      <p:sp>
+        <p:nvSpPr>
+          <p:cNvPr id="6" name="TextBox 5">
+            <a:extLst>
+              <a:ext uri="{FF2B5EF4-FFF2-40B4-BE49-F238E27FC236}">
+                <a16:creationId xmlns:a16="http://schemas.microsoft.com/office/drawing/2014/main" id="{F494992A-682D-42B9-9208-40561740A90F}"/>
+              </a:ext>
+            </a:extLst>
+          </p:cNvPr>
+          <p:cNvSpPr txBox="1"/>
+          <p:nvPr/>
+        </p:nvSpPr>
+        <p:spPr>
+          <a:xfrm>
+            <a:off x="4895850" y="5657850"/>
+            <a:ext cx="2174801" cy="383512"/>
+          </a:xfrm>
+          <a:prstGeom prst="rect">
+            <a:avLst/>
+          </a:prstGeom>
+          <a:noFill/>
+        </p:spPr>
+        <p:txBody>
+          <a:bodyPr wrap="square" rtlCol="0">
+            <a:spAutoFit/>
+          </a:bodyPr>
+          <a:lstStyle/>
+          <a:p>
+            <a:r>
+              <a:rPr lang="en-US" dirty="0"/>
+              <a:t>Sai Rohith Gorla</a:t>
+            </a:r>
+          </a:p>
+        </p:txBody>
+      </p:sp>
     </p:spTree>
     <p:extLst>
       <p:ext uri="{BB962C8B-B14F-4D97-AF65-F5344CB8AC3E}">
